--- a/Dharma Teja.pptx
+++ b/Dharma Teja.pptx
@@ -8,17 +8,19 @@
     <p:sldId id="258" r:id="rId2"/>
     <p:sldId id="268" r:id="rId3"/>
     <p:sldId id="269" r:id="rId4"/>
-    <p:sldId id="270" r:id="rId5"/>
-    <p:sldId id="257" r:id="rId6"/>
-    <p:sldId id="259" r:id="rId7"/>
-    <p:sldId id="260" r:id="rId8"/>
-    <p:sldId id="267" r:id="rId9"/>
-    <p:sldId id="261" r:id="rId10"/>
-    <p:sldId id="263" r:id="rId11"/>
-    <p:sldId id="262" r:id="rId12"/>
-    <p:sldId id="265" r:id="rId13"/>
-    <p:sldId id="264" r:id="rId14"/>
-    <p:sldId id="266" r:id="rId15"/>
+    <p:sldId id="273" r:id="rId5"/>
+    <p:sldId id="270" r:id="rId6"/>
+    <p:sldId id="272" r:id="rId7"/>
+    <p:sldId id="257" r:id="rId8"/>
+    <p:sldId id="259" r:id="rId9"/>
+    <p:sldId id="260" r:id="rId10"/>
+    <p:sldId id="267" r:id="rId11"/>
+    <p:sldId id="261" r:id="rId12"/>
+    <p:sldId id="263" r:id="rId13"/>
+    <p:sldId id="262" r:id="rId14"/>
+    <p:sldId id="265" r:id="rId15"/>
+    <p:sldId id="264" r:id="rId16"/>
+    <p:sldId id="266" r:id="rId17"/>
   </p:sldIdLst>
   <p:sldSz cx="12192000" cy="6858000"/>
   <p:notesSz cx="6858000" cy="9144000"/>
@@ -6327,6 +6329,216 @@
           <a:chExt cx="0" cy="0"/>
         </a:xfrm>
       </p:grpSpPr>
+      <p:pic>
+        <p:nvPicPr>
+          <p:cNvPr id="4" name="Picture 4" descr="A close up of a logo&#10;&#10;Description generated with high confidence">
+            <a:extLst>
+              <a:ext uri="{FF2B5EF4-FFF2-40B4-BE49-F238E27FC236}">
+                <a16:creationId xmlns:a16="http://schemas.microsoft.com/office/drawing/2014/main" xmlns="" id="{57CB6AD8-D0BB-4404-B575-42D1A471387F}"/>
+              </a:ext>
+            </a:extLst>
+          </p:cNvPr>
+          <p:cNvPicPr>
+            <a:picLocks noGrp="1" noChangeAspect="1"/>
+          </p:cNvPicPr>
+          <p:nvPr>
+            <p:ph idx="1"/>
+          </p:nvPr>
+        </p:nvPicPr>
+        <p:blipFill rotWithShape="1">
+          <a:blip r:embed="rId2"/>
+          <a:srcRect l="3139" t="19155" r="-598" b="18028"/>
+          <a:stretch/>
+        </p:blipFill>
+        <p:spPr>
+          <a:xfrm>
+            <a:off x="1067723" y="2125612"/>
+            <a:ext cx="10056389" cy="3434789"/>
+          </a:xfrm>
+          <a:prstGeom prst="rect">
+            <a:avLst/>
+          </a:prstGeom>
+        </p:spPr>
+      </p:pic>
+      <p:sp>
+        <p:nvSpPr>
+          <p:cNvPr id="7" name="Title 1">
+            <a:extLst>
+              <a:ext uri="{FF2B5EF4-FFF2-40B4-BE49-F238E27FC236}">
+                <a16:creationId xmlns:a16="http://schemas.microsoft.com/office/drawing/2014/main" xmlns="" id="{29191FBF-4D75-4BF8-BB79-D88A3F6A1F54}"/>
+              </a:ext>
+            </a:extLst>
+          </p:cNvPr>
+          <p:cNvSpPr>
+            <a:spLocks noGrp="1"/>
+          </p:cNvSpPr>
+          <p:nvPr>
+            <p:ph type="title"/>
+          </p:nvPr>
+        </p:nvSpPr>
+        <p:spPr>
+          <a:xfrm>
+            <a:off x="1295402" y="982132"/>
+            <a:ext cx="9601196" cy="1303867"/>
+          </a:xfrm>
+        </p:spPr>
+        <p:txBody>
+          <a:bodyPr>
+            <a:normAutofit/>
+          </a:bodyPr>
+          <a:lstStyle/>
+          <a:p>
+            <a:r>
+              <a:rPr lang="en-US" b="1" dirty="0">
+                <a:latin typeface="Tahoma" panose="020B0604030504040204" pitchFamily="34" charset="0"/>
+                <a:ea typeface="Tahoma" panose="020B0604030504040204" pitchFamily="34" charset="0"/>
+                <a:cs typeface="Tahoma" panose="020B0604030504040204" pitchFamily="34" charset="0"/>
+              </a:rPr>
+              <a:t>REAL TIME EXAMPLE</a:t>
+            </a:r>
+          </a:p>
+        </p:txBody>
+      </p:sp>
+    </p:spTree>
+    <p:extLst>
+      <p:ext uri="{BB962C8B-B14F-4D97-AF65-F5344CB8AC3E}">
+        <p14:creationId xmlns:p14="http://schemas.microsoft.com/office/powerpoint/2010/main" val="4045884255"/>
+      </p:ext>
+    </p:extLst>
+  </p:cSld>
+  <p:clrMapOvr>
+    <a:masterClrMapping/>
+  </p:clrMapOvr>
+  <p:timing>
+    <p:tnLst>
+      <p:par>
+        <p:cTn id="1" dur="indefinite" restart="never" nodeType="tmRoot"/>
+      </p:par>
+    </p:tnLst>
+  </p:timing>
+</p:sld>
+</file>
+
+<file path=ppt/slides/slide11.xml><?xml version="1.0" encoding="utf-8"?>
+<p:sld xmlns:a="http://schemas.openxmlformats.org/drawingml/2006/main" xmlns:r="http://schemas.openxmlformats.org/officeDocument/2006/relationships" xmlns:p="http://schemas.openxmlformats.org/presentationml/2006/main">
+  <p:cSld>
+    <p:spTree>
+      <p:nvGrpSpPr>
+        <p:cNvPr id="1" name=""/>
+        <p:cNvGrpSpPr/>
+        <p:nvPr/>
+      </p:nvGrpSpPr>
+      <p:grpSpPr>
+        <a:xfrm>
+          <a:off x="0" y="0"/>
+          <a:ext cx="0" cy="0"/>
+          <a:chOff x="0" y="0"/>
+          <a:chExt cx="0" cy="0"/>
+        </a:xfrm>
+      </p:grpSpPr>
+      <p:sp>
+        <p:nvSpPr>
+          <p:cNvPr id="2" name="Title 1">
+            <a:extLst>
+              <a:ext uri="{FF2B5EF4-FFF2-40B4-BE49-F238E27FC236}">
+                <a16:creationId xmlns:a16="http://schemas.microsoft.com/office/drawing/2014/main" xmlns="" id="{ECBEFCBF-F445-4828-AE78-58A81C3E1EBE}"/>
+              </a:ext>
+            </a:extLst>
+          </p:cNvPr>
+          <p:cNvSpPr>
+            <a:spLocks noGrp="1"/>
+          </p:cNvSpPr>
+          <p:nvPr>
+            <p:ph type="title"/>
+          </p:nvPr>
+        </p:nvSpPr>
+        <p:spPr/>
+        <p:txBody>
+          <a:bodyPr>
+            <a:normAutofit/>
+          </a:bodyPr>
+          <a:lstStyle/>
+          <a:p>
+            <a:r>
+              <a:rPr lang="en-US" b="1" dirty="0">
+                <a:latin typeface="Tahoma" panose="020B0604030504040204" pitchFamily="34" charset="0"/>
+                <a:ea typeface="Tahoma" panose="020B0604030504040204" pitchFamily="34" charset="0"/>
+                <a:cs typeface="Tahoma" panose="020B0604030504040204" pitchFamily="34" charset="0"/>
+              </a:rPr>
+              <a:t>SINGLE INHERITANCE</a:t>
+            </a:r>
+          </a:p>
+        </p:txBody>
+      </p:sp>
+      <p:pic>
+        <p:nvPicPr>
+          <p:cNvPr id="4" name="Picture 4" descr="A close up of a sign&#10;&#10;Description generated with high confidence">
+            <a:extLst>
+              <a:ext uri="{FF2B5EF4-FFF2-40B4-BE49-F238E27FC236}">
+                <a16:creationId xmlns:a16="http://schemas.microsoft.com/office/drawing/2014/main" xmlns="" id="{C9771827-8A54-45EB-8D38-836DB6D1CAED}"/>
+              </a:ext>
+            </a:extLst>
+          </p:cNvPr>
+          <p:cNvPicPr>
+            <a:picLocks noGrp="1" noChangeAspect="1"/>
+          </p:cNvPicPr>
+          <p:nvPr>
+            <p:ph idx="1"/>
+          </p:nvPr>
+        </p:nvPicPr>
+        <p:blipFill>
+          <a:blip r:embed="rId2"/>
+          <a:stretch>
+            <a:fillRect/>
+          </a:stretch>
+        </p:blipFill>
+        <p:spPr>
+          <a:xfrm>
+            <a:off x="4781549" y="3101975"/>
+            <a:ext cx="2628900" cy="2228850"/>
+          </a:xfrm>
+          <a:prstGeom prst="rect">
+            <a:avLst/>
+          </a:prstGeom>
+        </p:spPr>
+      </p:pic>
+    </p:spTree>
+    <p:extLst>
+      <p:ext uri="{BB962C8B-B14F-4D97-AF65-F5344CB8AC3E}">
+        <p14:creationId xmlns:p14="http://schemas.microsoft.com/office/powerpoint/2010/main" val="145538394"/>
+      </p:ext>
+    </p:extLst>
+  </p:cSld>
+  <p:clrMapOvr>
+    <a:masterClrMapping/>
+  </p:clrMapOvr>
+  <p:timing>
+    <p:tnLst>
+      <p:par>
+        <p:cTn id="1" dur="indefinite" restart="never" nodeType="tmRoot"/>
+      </p:par>
+    </p:tnLst>
+  </p:timing>
+</p:sld>
+</file>
+
+<file path=ppt/slides/slide12.xml><?xml version="1.0" encoding="utf-8"?>
+<p:sld xmlns:a="http://schemas.openxmlformats.org/drawingml/2006/main" xmlns:r="http://schemas.openxmlformats.org/officeDocument/2006/relationships" xmlns:p="http://schemas.openxmlformats.org/presentationml/2006/main">
+  <p:cSld>
+    <p:spTree>
+      <p:nvGrpSpPr>
+        <p:cNvPr id="1" name=""/>
+        <p:cNvGrpSpPr/>
+        <p:nvPr/>
+      </p:nvGrpSpPr>
+      <p:grpSpPr>
+        <a:xfrm>
+          <a:off x="0" y="0"/>
+          <a:ext cx="0" cy="0"/>
+          <a:chOff x="0" y="0"/>
+          <a:chExt cx="0" cy="0"/>
+        </a:xfrm>
+      </p:grpSpPr>
       <p:sp>
         <p:nvSpPr>
           <p:cNvPr id="2" name="Title 1">
@@ -6413,7 +6625,7 @@
 </p:sld>
 </file>
 
-<file path=ppt/slides/slide11.xml><?xml version="1.0" encoding="utf-8"?>
+<file path=ppt/slides/slide13.xml><?xml version="1.0" encoding="utf-8"?>
 <p:sld xmlns:a="http://schemas.openxmlformats.org/drawingml/2006/main" xmlns:r="http://schemas.openxmlformats.org/officeDocument/2006/relationships" xmlns:p="http://schemas.openxmlformats.org/presentationml/2006/main">
   <p:cSld>
     <p:spTree>
@@ -6516,7 +6728,7 @@
 </p:sld>
 </file>
 
-<file path=ppt/slides/slide12.xml><?xml version="1.0" encoding="utf-8"?>
+<file path=ppt/slides/slide14.xml><?xml version="1.0" encoding="utf-8"?>
 <p:sld xmlns:a="http://schemas.openxmlformats.org/drawingml/2006/main" xmlns:r="http://schemas.openxmlformats.org/officeDocument/2006/relationships" xmlns:p="http://schemas.openxmlformats.org/presentationml/2006/main">
   <p:cSld>
     <p:spTree>
@@ -6640,7 +6852,7 @@
 </p:sld>
 </file>
 
-<file path=ppt/slides/slide13.xml><?xml version="1.0" encoding="utf-8"?>
+<file path=ppt/slides/slide15.xml><?xml version="1.0" encoding="utf-8"?>
 <p:sld xmlns:a="http://schemas.openxmlformats.org/drawingml/2006/main" xmlns:r="http://schemas.openxmlformats.org/officeDocument/2006/relationships" xmlns:p="http://schemas.openxmlformats.org/presentationml/2006/main">
   <p:cSld>
     <p:spTree>
@@ -6743,7 +6955,7 @@
 </p:sld>
 </file>
 
-<file path=ppt/slides/slide14.xml><?xml version="1.0" encoding="utf-8"?>
+<file path=ppt/slides/slide16.xml><?xml version="1.0" encoding="utf-8"?>
 <p:sld xmlns:a="http://schemas.openxmlformats.org/drawingml/2006/main" xmlns:r="http://schemas.openxmlformats.org/officeDocument/2006/relationships" xmlns:p="http://schemas.openxmlformats.org/presentationml/2006/main">
   <p:cSld>
     <p:spTree>
@@ -7054,79 +7266,40 @@
           <a:chExt cx="0" cy="0"/>
         </a:xfrm>
       </p:grpSpPr>
-      <p:sp>
-        <p:nvSpPr>
-          <p:cNvPr id="2" name="Title 1"/>
-          <p:cNvSpPr>
-            <a:spLocks noGrp="1"/>
-          </p:cNvSpPr>
-          <p:nvPr>
-            <p:ph type="title"/>
-          </p:nvPr>
-        </p:nvSpPr>
-        <p:spPr/>
-        <p:txBody>
-          <a:bodyPr>
-            <a:normAutofit fontScale="90000"/>
-          </a:bodyPr>
-          <a:lstStyle/>
-          <a:p>
-            <a:r>
-              <a:rPr lang="en-US" dirty="0" smtClean="0">
-                <a:latin typeface="Tahoma" panose="020B0604030504040204" pitchFamily="34" charset="0"/>
-                <a:ea typeface="Tahoma" panose="020B0604030504040204" pitchFamily="34" charset="0"/>
-                <a:cs typeface="Tahoma" panose="020B0604030504040204" pitchFamily="34" charset="0"/>
-              </a:rPr>
-              <a:t>Encapsulation With Real Time Example</a:t>
-            </a:r>
-            <a:endParaRPr lang="en-US" dirty="0">
-              <a:latin typeface="Tahoma" panose="020B0604030504040204" pitchFamily="34" charset="0"/>
-              <a:ea typeface="Tahoma" panose="020B0604030504040204" pitchFamily="34" charset="0"/>
-              <a:cs typeface="Tahoma" panose="020B0604030504040204" pitchFamily="34" charset="0"/>
-            </a:endParaRPr>
-          </a:p>
-        </p:txBody>
-      </p:sp>
-      <p:sp>
-        <p:nvSpPr>
-          <p:cNvPr id="3" name="Content Placeholder 2"/>
-          <p:cNvSpPr>
-            <a:spLocks noGrp="1"/>
-          </p:cNvSpPr>
-          <p:nvPr>
-            <p:ph idx="1"/>
-          </p:nvPr>
-        </p:nvSpPr>
-        <p:spPr/>
-        <p:txBody>
-          <a:bodyPr/>
-          <a:lstStyle/>
-          <a:p>
-            <a:r>
-              <a:rPr lang="en-US" dirty="0" smtClean="0">
-                <a:latin typeface="Times New Roman" panose="02020603050405020304" pitchFamily="18" charset="0"/>
-                <a:cs typeface="Times New Roman" panose="02020603050405020304" pitchFamily="18" charset="0"/>
-              </a:rPr>
-              <a:t>When </a:t>
-            </a:r>
-            <a:r>
-              <a:rPr lang="en-US" dirty="0">
-                <a:latin typeface="Times New Roman" panose="02020603050405020304" pitchFamily="18" charset="0"/>
-                <a:cs typeface="Times New Roman" panose="02020603050405020304" pitchFamily="18" charset="0"/>
-              </a:rPr>
-              <a:t>you log into your email, compose and send a mail. Again there is a whole lot of background processing involved, verifying the recipient, sending request to the email server, sending your email. Here you are only interested in composing and clicking on the send button. What really happens when you click on the send button, is hidden from you.</a:t>
-            </a:r>
-            <a:endParaRPr lang="en-US" dirty="0">
-              <a:latin typeface="Times New Roman" panose="02020603050405020304" pitchFamily="18" charset="0"/>
-              <a:cs typeface="Times New Roman" panose="02020603050405020304" pitchFamily="18" charset="0"/>
-            </a:endParaRPr>
-          </a:p>
-        </p:txBody>
-      </p:sp>
+      <p:pic>
+        <p:nvPicPr>
+          <p:cNvPr id="2" name="Picture 1"/>
+          <p:cNvPicPr>
+            <a:picLocks noChangeAspect="1"/>
+          </p:cNvPicPr>
+          <p:nvPr/>
+        </p:nvPicPr>
+        <p:blipFill>
+          <a:blip r:embed="rId2">
+            <a:extLst>
+              <a:ext uri="{28A0092B-C50C-407E-A947-70E740481C1C}">
+                <a14:useLocalDpi xmlns:a14="http://schemas.microsoft.com/office/drawing/2010/main" val="0"/>
+              </a:ext>
+            </a:extLst>
+          </a:blip>
+          <a:stretch>
+            <a:fillRect/>
+          </a:stretch>
+        </p:blipFill>
+        <p:spPr>
+          <a:xfrm>
+            <a:off x="3746500" y="892175"/>
+            <a:ext cx="4775199" cy="5116706"/>
+          </a:xfrm>
+          <a:prstGeom prst="rect">
+            <a:avLst/>
+          </a:prstGeom>
+        </p:spPr>
+      </p:pic>
     </p:spTree>
     <p:extLst>
       <p:ext uri="{BB962C8B-B14F-4D97-AF65-F5344CB8AC3E}">
-        <p14:creationId xmlns:p14="http://schemas.microsoft.com/office/powerpoint/2010/main" val="3840913939"/>
+        <p14:creationId xmlns:p14="http://schemas.microsoft.com/office/powerpoint/2010/main" val="3311663568"/>
       </p:ext>
     </p:extLst>
   </p:cSld>
@@ -7155,13 +7328,7 @@
       </p:grpSpPr>
       <p:sp>
         <p:nvSpPr>
-          <p:cNvPr id="2" name="Title 1">
-            <a:extLst>
-              <a:ext uri="{FF2B5EF4-FFF2-40B4-BE49-F238E27FC236}">
-                <a16:creationId xmlns:a16="http://schemas.microsoft.com/office/drawing/2014/main" xmlns="" id="{41FC9DB4-2001-4A28-B741-6BEB76474C91}"/>
-              </a:ext>
-            </a:extLst>
-          </p:cNvPr>
+          <p:cNvPr id="2" name="Title 1"/>
           <p:cNvSpPr>
             <a:spLocks noGrp="1"/>
           </p:cNvSpPr>
@@ -7172,30 +7339,29 @@
         <p:spPr/>
         <p:txBody>
           <a:bodyPr>
-            <a:normAutofit/>
+            <a:normAutofit fontScale="90000"/>
           </a:bodyPr>
           <a:lstStyle/>
           <a:p>
             <a:r>
-              <a:rPr lang="en-US" b="1" dirty="0">
+              <a:rPr lang="en-US" dirty="0" smtClean="0">
                 <a:latin typeface="Tahoma" panose="020B0604030504040204" pitchFamily="34" charset="0"/>
                 <a:ea typeface="Tahoma" panose="020B0604030504040204" pitchFamily="34" charset="0"/>
                 <a:cs typeface="Tahoma" panose="020B0604030504040204" pitchFamily="34" charset="0"/>
               </a:rPr>
-              <a:t>WHAT IS INHERITANCE?</a:t>
-            </a:r>
-          </a:p>
-        </p:txBody>
-      </p:sp>
-      <p:sp>
-        <p:nvSpPr>
-          <p:cNvPr id="3" name="Content Placeholder 2">
-            <a:extLst>
-              <a:ext uri="{FF2B5EF4-FFF2-40B4-BE49-F238E27FC236}">
-                <a16:creationId xmlns:a16="http://schemas.microsoft.com/office/drawing/2014/main" xmlns="" id="{146BBCE0-A23C-46F3-8CB2-F9635B1B0957}"/>
-              </a:ext>
-            </a:extLst>
-          </p:cNvPr>
+              <a:t>Encapsulation With Real Time Example</a:t>
+            </a:r>
+            <a:endParaRPr lang="en-US" dirty="0">
+              <a:latin typeface="Tahoma" panose="020B0604030504040204" pitchFamily="34" charset="0"/>
+              <a:ea typeface="Tahoma" panose="020B0604030504040204" pitchFamily="34" charset="0"/>
+              <a:cs typeface="Tahoma" panose="020B0604030504040204" pitchFamily="34" charset="0"/>
+            </a:endParaRPr>
+          </a:p>
+        </p:txBody>
+      </p:sp>
+      <p:sp>
+        <p:nvSpPr>
+          <p:cNvPr id="3" name="Content Placeholder 2"/>
           <p:cNvSpPr>
             <a:spLocks noGrp="1"/>
           </p:cNvSpPr>
@@ -7208,24 +7374,19 @@
           <a:bodyPr/>
           <a:lstStyle/>
           <a:p>
-            <a:pPr marL="0" indent="0">
-              <a:buNone/>
-            </a:pPr>
-            <a:r>
-              <a:rPr lang="en-US" b="1" dirty="0">
+            <a:r>
+              <a:rPr lang="en-US" dirty="0" smtClean="0">
                 <a:latin typeface="Times New Roman" panose="02020603050405020304" pitchFamily="18" charset="0"/>
-                <a:ea typeface="+mn-lt"/>
                 <a:cs typeface="Times New Roman" panose="02020603050405020304" pitchFamily="18" charset="0"/>
               </a:rPr>
-              <a:t>Inheritance in Java</a:t>
+              <a:t>When </a:t>
             </a:r>
             <a:r>
               <a:rPr lang="en-US" dirty="0">
                 <a:latin typeface="Times New Roman" panose="02020603050405020304" pitchFamily="18" charset="0"/>
-                <a:ea typeface="+mn-lt"/>
                 <a:cs typeface="Times New Roman" panose="02020603050405020304" pitchFamily="18" charset="0"/>
               </a:rPr>
-              <a:t> is a mechanism in which one object acquires all the properties and behaviors of a parent object. It is an important part of OOPs (Object Oriented programming system).</a:t>
+              <a:t>you log into your email, compose and send a mail. Again there is a whole lot of background processing involved, verifying the recipient, sending request to the email server, sending your email. Here you are only interested in composing and clicking on the send button. What really happens when you click on the send button, is hidden from you.</a:t>
             </a:r>
             <a:endParaRPr lang="en-US" dirty="0">
               <a:latin typeface="Times New Roman" panose="02020603050405020304" pitchFamily="18" charset="0"/>
@@ -7237,20 +7398,13 @@
     </p:spTree>
     <p:extLst>
       <p:ext uri="{BB962C8B-B14F-4D97-AF65-F5344CB8AC3E}">
-        <p14:creationId xmlns:p14="http://schemas.microsoft.com/office/powerpoint/2010/main" val="3064404827"/>
+        <p14:creationId xmlns:p14="http://schemas.microsoft.com/office/powerpoint/2010/main" val="3840913939"/>
       </p:ext>
     </p:extLst>
   </p:cSld>
   <p:clrMapOvr>
     <a:masterClrMapping/>
   </p:clrMapOvr>
-  <p:timing>
-    <p:tnLst>
-      <p:par>
-        <p:cTn id="1" dur="indefinite" restart="never" nodeType="tmRoot"/>
-      </p:par>
-    </p:tnLst>
-  </p:timing>
 </p:sld>
 </file>
 
@@ -7273,183 +7427,145 @@
       </p:grpSpPr>
       <p:sp>
         <p:nvSpPr>
-          <p:cNvPr id="2" name="Title 1">
+          <p:cNvPr id="2" name="Title 1"/>
+          <p:cNvSpPr>
+            <a:spLocks noGrp="1"/>
+          </p:cNvSpPr>
+          <p:nvPr>
+            <p:ph type="title"/>
+          </p:nvPr>
+        </p:nvSpPr>
+        <p:spPr/>
+        <p:txBody>
+          <a:bodyPr/>
+          <a:lstStyle/>
+          <a:p>
+            <a:r>
+              <a:rPr lang="en-US" dirty="0" smtClean="0"/>
+              <a:t>What Do you Understand about this?</a:t>
+            </a:r>
+            <a:endParaRPr lang="en-US" dirty="0"/>
+          </a:p>
+        </p:txBody>
+      </p:sp>
+      <p:sp>
+        <p:nvSpPr>
+          <p:cNvPr id="3" name="AutoShape 2" descr="Image result for how to start inheritance presentation with a question"/>
+          <p:cNvSpPr>
+            <a:spLocks noChangeAspect="1" noChangeArrowheads="1"/>
+          </p:cNvSpPr>
+          <p:nvPr/>
+        </p:nvSpPr>
+        <p:spPr bwMode="auto">
+          <a:xfrm>
+            <a:off x="155575" y="-144463"/>
+            <a:ext cx="304800" cy="304801"/>
+          </a:xfrm>
+          <a:prstGeom prst="rect">
+            <a:avLst/>
+          </a:prstGeom>
+          <a:noFill/>
+          <a:extLst>
+            <a:ext uri="{909E8E84-426E-40DD-AFC4-6F175D3DCCD1}">
+              <a14:hiddenFill xmlns:a14="http://schemas.microsoft.com/office/drawing/2010/main">
+                <a:solidFill>
+                  <a:srgbClr val="FFFFFF"/>
+                </a:solidFill>
+              </a14:hiddenFill>
+            </a:ext>
+          </a:extLst>
+        </p:spPr>
+        <p:txBody>
+          <a:bodyPr vert="horz" wrap="square" lIns="91440" tIns="45720" rIns="91440" bIns="45720" numCol="1" anchor="t" anchorCtr="0" compatLnSpc="1">
+            <a:prstTxWarp prst="textNoShape">
+              <a:avLst/>
+            </a:prstTxWarp>
+          </a:bodyPr>
+          <a:lstStyle/>
+          <a:p>
+            <a:endParaRPr lang="en-US"/>
+          </a:p>
+        </p:txBody>
+      </p:sp>
+      <p:sp>
+        <p:nvSpPr>
+          <p:cNvPr id="4" name="AutoShape 4" descr="Image result for how to start inheritance presentation with a question"/>
+          <p:cNvSpPr>
+            <a:spLocks noChangeAspect="1" noChangeArrowheads="1"/>
+          </p:cNvSpPr>
+          <p:nvPr/>
+        </p:nvSpPr>
+        <p:spPr bwMode="auto">
+          <a:xfrm>
+            <a:off x="155575" y="-2041525"/>
+            <a:ext cx="6991350" cy="4267200"/>
+          </a:xfrm>
+          <a:prstGeom prst="rect">
+            <a:avLst/>
+          </a:prstGeom>
+          <a:noFill/>
+          <a:extLst>
+            <a:ext uri="{909E8E84-426E-40DD-AFC4-6F175D3DCCD1}">
+              <a14:hiddenFill xmlns:a14="http://schemas.microsoft.com/office/drawing/2010/main">
+                <a:solidFill>
+                  <a:srgbClr val="FFFFFF"/>
+                </a:solidFill>
+              </a14:hiddenFill>
+            </a:ext>
+          </a:extLst>
+        </p:spPr>
+        <p:txBody>
+          <a:bodyPr vert="horz" wrap="square" lIns="91440" tIns="45720" rIns="91440" bIns="45720" numCol="1" anchor="t" anchorCtr="0" compatLnSpc="1">
+            <a:prstTxWarp prst="textNoShape">
+              <a:avLst/>
+            </a:prstTxWarp>
+          </a:bodyPr>
+          <a:lstStyle/>
+          <a:p>
+            <a:endParaRPr lang="en-US"/>
+          </a:p>
+        </p:txBody>
+      </p:sp>
+      <p:pic>
+        <p:nvPicPr>
+          <p:cNvPr id="5" name="Picture 4"/>
+          <p:cNvPicPr>
+            <a:picLocks noChangeAspect="1"/>
+          </p:cNvPicPr>
+          <p:nvPr/>
+        </p:nvPicPr>
+        <p:blipFill>
+          <a:blip r:embed="rId2">
             <a:extLst>
-              <a:ext uri="{FF2B5EF4-FFF2-40B4-BE49-F238E27FC236}">
-                <a16:creationId xmlns:a16="http://schemas.microsoft.com/office/drawing/2014/main" xmlns="" id="{92D4EB90-B9D8-4E91-BE38-2CE898534E6E}"/>
+              <a:ext uri="{28A0092B-C50C-407E-A947-70E740481C1C}">
+                <a14:useLocalDpi xmlns:a14="http://schemas.microsoft.com/office/drawing/2010/main" val="0"/>
               </a:ext>
             </a:extLst>
-          </p:cNvPr>
-          <p:cNvSpPr>
-            <a:spLocks noGrp="1"/>
-          </p:cNvSpPr>
-          <p:nvPr>
-            <p:ph type="title"/>
-          </p:nvPr>
-        </p:nvSpPr>
-        <p:spPr/>
-        <p:txBody>
-          <a:bodyPr/>
-          <a:lstStyle/>
-          <a:p>
-            <a:r>
-              <a:rPr lang="en-US" b="1" dirty="0">
-                <a:latin typeface="Tahoma" panose="020B0604030504040204" pitchFamily="34" charset="0"/>
-                <a:ea typeface="Tahoma" panose="020B0604030504040204" pitchFamily="34" charset="0"/>
-                <a:cs typeface="Tahoma" panose="020B0604030504040204" pitchFamily="34" charset="0"/>
-              </a:rPr>
-              <a:t>SYNTAX FOR INHERITANCE</a:t>
-            </a:r>
-            <a:endParaRPr lang="en-US" dirty="0">
-              <a:latin typeface="Tahoma" panose="020B0604030504040204" pitchFamily="34" charset="0"/>
-              <a:ea typeface="Tahoma" panose="020B0604030504040204" pitchFamily="34" charset="0"/>
-              <a:cs typeface="Tahoma" panose="020B0604030504040204" pitchFamily="34" charset="0"/>
-            </a:endParaRPr>
-          </a:p>
-          <a:p>
-            <a:endParaRPr lang="en-US" dirty="0"/>
-          </a:p>
-        </p:txBody>
-      </p:sp>
-      <p:sp>
-        <p:nvSpPr>
-          <p:cNvPr id="3" name="Content Placeholder 2">
-            <a:extLst>
-              <a:ext uri="{FF2B5EF4-FFF2-40B4-BE49-F238E27FC236}">
-                <a16:creationId xmlns:a16="http://schemas.microsoft.com/office/drawing/2014/main" xmlns="" id="{EB2B0173-6174-4796-8B05-5E98FC0DDFAE}"/>
-              </a:ext>
-            </a:extLst>
-          </p:cNvPr>
-          <p:cNvSpPr>
-            <a:spLocks noGrp="1"/>
-          </p:cNvSpPr>
-          <p:nvPr>
-            <p:ph idx="1"/>
-          </p:nvPr>
-        </p:nvSpPr>
+          </a:blip>
+          <a:stretch>
+            <a:fillRect/>
+          </a:stretch>
+        </p:blipFill>
         <p:spPr>
           <a:xfrm>
-            <a:off x="1447801" y="2709332"/>
-            <a:ext cx="9601196" cy="3318936"/>
+            <a:off x="2159000" y="2570162"/>
+            <a:ext cx="7380732" cy="3297238"/>
           </a:xfrm>
+          <a:prstGeom prst="rect">
+            <a:avLst/>
+          </a:prstGeom>
         </p:spPr>
-        <p:txBody>
-          <a:bodyPr/>
-          <a:lstStyle/>
-          <a:p>
-            <a:pPr marL="0" indent="0">
-              <a:buNone/>
-            </a:pPr>
-            <a:r>
-              <a:rPr lang="en-US" b="1" dirty="0">
-                <a:latin typeface="Times New Roman" panose="02020603050405020304" pitchFamily="18" charset="0"/>
-                <a:ea typeface="+mn-lt"/>
-                <a:cs typeface="Times New Roman" panose="02020603050405020304" pitchFamily="18" charset="0"/>
-              </a:rPr>
-              <a:t>class</a:t>
-            </a:r>
-            <a:r>
-              <a:rPr lang="en-US" dirty="0">
-                <a:latin typeface="Times New Roman" panose="02020603050405020304" pitchFamily="18" charset="0"/>
-                <a:ea typeface="+mn-lt"/>
-                <a:cs typeface="Times New Roman" panose="02020603050405020304" pitchFamily="18" charset="0"/>
-              </a:rPr>
-              <a:t> Subclass-name </a:t>
-            </a:r>
-            <a:r>
-              <a:rPr lang="en-US" b="1" dirty="0">
-                <a:latin typeface="Times New Roman" panose="02020603050405020304" pitchFamily="18" charset="0"/>
-                <a:ea typeface="+mn-lt"/>
-                <a:cs typeface="Times New Roman" panose="02020603050405020304" pitchFamily="18" charset="0"/>
-              </a:rPr>
-              <a:t>extends</a:t>
-            </a:r>
-            <a:r>
-              <a:rPr lang="en-US" dirty="0">
-                <a:latin typeface="Times New Roman" panose="02020603050405020304" pitchFamily="18" charset="0"/>
-                <a:ea typeface="+mn-lt"/>
-                <a:cs typeface="Times New Roman" panose="02020603050405020304" pitchFamily="18" charset="0"/>
-              </a:rPr>
-              <a:t> Superclass-name  </a:t>
-            </a:r>
-            <a:endParaRPr lang="en-US" dirty="0">
-              <a:latin typeface="Times New Roman" panose="02020603050405020304" pitchFamily="18" charset="0"/>
-              <a:cs typeface="Times New Roman" panose="02020603050405020304" pitchFamily="18" charset="0"/>
-            </a:endParaRPr>
-          </a:p>
-          <a:p>
-            <a:pPr marL="0" indent="0">
-              <a:buNone/>
-            </a:pPr>
-            <a:r>
-              <a:rPr lang="en-US" dirty="0">
-                <a:latin typeface="Times New Roman" panose="02020603050405020304" pitchFamily="18" charset="0"/>
-                <a:ea typeface="+mn-lt"/>
-                <a:cs typeface="Times New Roman" panose="02020603050405020304" pitchFamily="18" charset="0"/>
-              </a:rPr>
-              <a:t>{  </a:t>
-            </a:r>
-            <a:endParaRPr lang="en-US" dirty="0">
-              <a:latin typeface="Times New Roman" panose="02020603050405020304" pitchFamily="18" charset="0"/>
-              <a:cs typeface="Times New Roman" panose="02020603050405020304" pitchFamily="18" charset="0"/>
-            </a:endParaRPr>
-          </a:p>
-          <a:p>
-            <a:pPr marL="0" indent="0">
-              <a:buNone/>
-            </a:pPr>
-            <a:r>
-              <a:rPr lang="en-US" dirty="0">
-                <a:latin typeface="Times New Roman" panose="02020603050405020304" pitchFamily="18" charset="0"/>
-                <a:ea typeface="+mn-lt"/>
-                <a:cs typeface="Times New Roman" panose="02020603050405020304" pitchFamily="18" charset="0"/>
-              </a:rPr>
-              <a:t>   //methods and fields  </a:t>
-            </a:r>
-            <a:endParaRPr lang="en-US" dirty="0">
-              <a:latin typeface="Times New Roman" panose="02020603050405020304" pitchFamily="18" charset="0"/>
-              <a:cs typeface="Times New Roman" panose="02020603050405020304" pitchFamily="18" charset="0"/>
-            </a:endParaRPr>
-          </a:p>
-          <a:p>
-            <a:pPr marL="0" indent="0">
-              <a:buNone/>
-            </a:pPr>
-            <a:r>
-              <a:rPr lang="en-US" dirty="0">
-                <a:latin typeface="Times New Roman" panose="02020603050405020304" pitchFamily="18" charset="0"/>
-                <a:ea typeface="+mn-lt"/>
-                <a:cs typeface="Times New Roman" panose="02020603050405020304" pitchFamily="18" charset="0"/>
-              </a:rPr>
-              <a:t>}  </a:t>
-            </a:r>
-            <a:endParaRPr lang="en-US" dirty="0">
-              <a:latin typeface="Times New Roman" panose="02020603050405020304" pitchFamily="18" charset="0"/>
-              <a:cs typeface="Times New Roman" panose="02020603050405020304" pitchFamily="18" charset="0"/>
-            </a:endParaRPr>
-          </a:p>
-          <a:p>
-            <a:endParaRPr lang="en-US" dirty="0"/>
-          </a:p>
-        </p:txBody>
-      </p:sp>
+      </p:pic>
     </p:spTree>
     <p:extLst>
       <p:ext uri="{BB962C8B-B14F-4D97-AF65-F5344CB8AC3E}">
-        <p14:creationId xmlns:p14="http://schemas.microsoft.com/office/powerpoint/2010/main" val="3309205773"/>
+        <p14:creationId xmlns:p14="http://schemas.microsoft.com/office/powerpoint/2010/main" val="1386555769"/>
       </p:ext>
     </p:extLst>
   </p:cSld>
   <p:clrMapOvr>
     <a:masterClrMapping/>
   </p:clrMapOvr>
-  <p:timing>
-    <p:tnLst>
-      <p:par>
-        <p:cTn id="1" dur="indefinite" restart="never" nodeType="tmRoot"/>
-      </p:par>
-    </p:tnLst>
-  </p:timing>
 </p:sld>
 </file>
 
@@ -7475,7 +7591,7 @@
           <p:cNvPr id="2" name="Title 1">
             <a:extLst>
               <a:ext uri="{FF2B5EF4-FFF2-40B4-BE49-F238E27FC236}">
-                <a16:creationId xmlns:a16="http://schemas.microsoft.com/office/drawing/2014/main" xmlns="" id="{3D366651-1371-44B8-8C3B-F0E39F693379}"/>
+                <a16:creationId xmlns:a16="http://schemas.microsoft.com/office/drawing/2014/main" xmlns="" id="{41FC9DB4-2001-4A28-B741-6BEB76474C91}"/>
               </a:ext>
             </a:extLst>
           </p:cNvPr>
@@ -7499,7 +7615,7 @@
                 <a:ea typeface="Tahoma" panose="020B0604030504040204" pitchFamily="34" charset="0"/>
                 <a:cs typeface="Tahoma" panose="020B0604030504040204" pitchFamily="34" charset="0"/>
               </a:rPr>
-              <a:t>TYPES OF INHERITANCE</a:t>
+              <a:t>WHAT IS INHERITANCE?</a:t>
             </a:r>
           </a:p>
         </p:txBody>
@@ -7509,7 +7625,7 @@
           <p:cNvPr id="3" name="Content Placeholder 2">
             <a:extLst>
               <a:ext uri="{FF2B5EF4-FFF2-40B4-BE49-F238E27FC236}">
-                <a16:creationId xmlns:a16="http://schemas.microsoft.com/office/drawing/2014/main" xmlns="" id="{A86EAFD1-1111-46BE-825C-AA7BF12E9C85}"/>
+                <a16:creationId xmlns:a16="http://schemas.microsoft.com/office/drawing/2014/main" xmlns="" id="{146BBCE0-A23C-46F3-8CB2-F9635B1B0957}"/>
               </a:ext>
             </a:extLst>
           </p:cNvPr>
@@ -7528,99 +7644,33 @@
             <a:pPr marL="0" indent="0">
               <a:buNone/>
             </a:pPr>
+            <a:r>
+              <a:rPr lang="en-US" b="1" dirty="0">
+                <a:latin typeface="Times New Roman" panose="02020603050405020304" pitchFamily="18" charset="0"/>
+                <a:ea typeface="+mn-lt"/>
+                <a:cs typeface="Times New Roman" panose="02020603050405020304" pitchFamily="18" charset="0"/>
+              </a:rPr>
+              <a:t>Inheritance in Java</a:t>
+            </a:r>
             <a:r>
               <a:rPr lang="en-US" dirty="0">
                 <a:latin typeface="Times New Roman" panose="02020603050405020304" pitchFamily="18" charset="0"/>
                 <a:ea typeface="+mn-lt"/>
                 <a:cs typeface="Times New Roman" panose="02020603050405020304" pitchFamily="18" charset="0"/>
               </a:rPr>
-              <a:t>Single Inheritance</a:t>
+              <a:t> is a mechanism in which one object acquires all the properties and behaviors of a parent object. It is an important part of OOPs (Object Oriented programming system).</a:t>
             </a:r>
             <a:endParaRPr lang="en-US" dirty="0">
               <a:latin typeface="Times New Roman" panose="02020603050405020304" pitchFamily="18" charset="0"/>
               <a:cs typeface="Times New Roman" panose="02020603050405020304" pitchFamily="18" charset="0"/>
             </a:endParaRPr>
           </a:p>
-          <a:p>
-            <a:pPr marL="0" indent="0">
-              <a:buNone/>
-            </a:pPr>
-            <a:r>
-              <a:rPr lang="en-US" dirty="0">
-                <a:latin typeface="Times New Roman" panose="02020603050405020304" pitchFamily="18" charset="0"/>
-                <a:ea typeface="+mn-lt"/>
-                <a:cs typeface="Times New Roman" panose="02020603050405020304" pitchFamily="18" charset="0"/>
-              </a:rPr>
-              <a:t>Multiple Inheritance</a:t>
-            </a:r>
-          </a:p>
-          <a:p>
-            <a:pPr marL="0" indent="0">
-              <a:buNone/>
-            </a:pPr>
-            <a:r>
-              <a:rPr lang="en-US" dirty="0">
-                <a:latin typeface="Times New Roman" panose="02020603050405020304" pitchFamily="18" charset="0"/>
-                <a:ea typeface="+mn-lt"/>
-                <a:cs typeface="Times New Roman" panose="02020603050405020304" pitchFamily="18" charset="0"/>
-              </a:rPr>
-              <a:t>Multilevel Inheritance</a:t>
-            </a:r>
-            <a:endParaRPr lang="en-US" dirty="0">
-              <a:latin typeface="Times New Roman" panose="02020603050405020304" pitchFamily="18" charset="0"/>
-              <a:cs typeface="Times New Roman" panose="02020603050405020304" pitchFamily="18" charset="0"/>
-            </a:endParaRPr>
-          </a:p>
-          <a:p>
-            <a:pPr marL="0" indent="0">
-              <a:buNone/>
-            </a:pPr>
-            <a:r>
-              <a:rPr lang="en-US" dirty="0">
-                <a:latin typeface="Times New Roman" panose="02020603050405020304" pitchFamily="18" charset="0"/>
-                <a:ea typeface="+mn-lt"/>
-                <a:cs typeface="Times New Roman" panose="02020603050405020304" pitchFamily="18" charset="0"/>
-              </a:rPr>
-              <a:t>Hierarchical Inheritance</a:t>
-            </a:r>
-            <a:endParaRPr lang="en-US" dirty="0">
-              <a:latin typeface="Times New Roman" panose="02020603050405020304" pitchFamily="18" charset="0"/>
-              <a:cs typeface="Times New Roman" panose="02020603050405020304" pitchFamily="18" charset="0"/>
-            </a:endParaRPr>
-          </a:p>
-          <a:p>
-            <a:pPr marL="0" indent="0">
-              <a:buNone/>
-            </a:pPr>
-            <a:r>
-              <a:rPr lang="en-US" dirty="0">
-                <a:latin typeface="Times New Roman" panose="02020603050405020304" pitchFamily="18" charset="0"/>
-                <a:ea typeface="+mn-lt"/>
-                <a:cs typeface="Times New Roman" panose="02020603050405020304" pitchFamily="18" charset="0"/>
-              </a:rPr>
-              <a:t>Hybrid Inheritance</a:t>
-            </a:r>
-            <a:r>
-              <a:rPr lang="en-US" dirty="0">
-                <a:latin typeface="Comic Sans MS"/>
-                <a:ea typeface="+mn-lt"/>
-                <a:cs typeface="+mn-lt"/>
-              </a:rPr>
-              <a:t> </a:t>
-            </a:r>
-            <a:endParaRPr lang="en-US" b="1" dirty="0">
-              <a:latin typeface="Comic Sans MS"/>
-            </a:endParaRPr>
-          </a:p>
-          <a:p>
-            <a:endParaRPr lang="en-US" dirty="0"/>
-          </a:p>
         </p:txBody>
       </p:sp>
     </p:spTree>
     <p:extLst>
       <p:ext uri="{BB962C8B-B14F-4D97-AF65-F5344CB8AC3E}">
-        <p14:creationId xmlns:p14="http://schemas.microsoft.com/office/powerpoint/2010/main" val="4251229936"/>
+        <p14:creationId xmlns:p14="http://schemas.microsoft.com/office/powerpoint/2010/main" val="3064404827"/>
       </p:ext>
     </p:extLst>
   </p:cSld>
@@ -7654,46 +7704,15 @@
           <a:chExt cx="0" cy="0"/>
         </a:xfrm>
       </p:grpSpPr>
-      <p:pic>
-        <p:nvPicPr>
-          <p:cNvPr id="4" name="Picture 4" descr="A close up of a logo&#10;&#10;Description generated with high confidence">
+      <p:sp>
+        <p:nvSpPr>
+          <p:cNvPr id="2" name="Title 1">
             <a:extLst>
               <a:ext uri="{FF2B5EF4-FFF2-40B4-BE49-F238E27FC236}">
-                <a16:creationId xmlns:a16="http://schemas.microsoft.com/office/drawing/2014/main" xmlns="" id="{57CB6AD8-D0BB-4404-B575-42D1A471387F}"/>
+                <a16:creationId xmlns:a16="http://schemas.microsoft.com/office/drawing/2014/main" xmlns="" id="{92D4EB90-B9D8-4E91-BE38-2CE898534E6E}"/>
               </a:ext>
             </a:extLst>
           </p:cNvPr>
-          <p:cNvPicPr>
-            <a:picLocks noGrp="1" noChangeAspect="1"/>
-          </p:cNvPicPr>
-          <p:nvPr>
-            <p:ph idx="1"/>
-          </p:nvPr>
-        </p:nvPicPr>
-        <p:blipFill rotWithShape="1">
-          <a:blip r:embed="rId2"/>
-          <a:srcRect l="3139" t="19155" r="-598" b="18028"/>
-          <a:stretch/>
-        </p:blipFill>
-        <p:spPr>
-          <a:xfrm>
-            <a:off x="1067723" y="2125612"/>
-            <a:ext cx="10056389" cy="3434789"/>
-          </a:xfrm>
-          <a:prstGeom prst="rect">
-            <a:avLst/>
-          </a:prstGeom>
-        </p:spPr>
-      </p:pic>
-      <p:sp>
-        <p:nvSpPr>
-          <p:cNvPr id="7" name="Title 1">
-            <a:extLst>
-              <a:ext uri="{FF2B5EF4-FFF2-40B4-BE49-F238E27FC236}">
-                <a16:creationId xmlns:a16="http://schemas.microsoft.com/office/drawing/2014/main" xmlns="" id="{29191FBF-4D75-4BF8-BB79-D88A3F6A1F54}"/>
-              </a:ext>
-            </a:extLst>
-          </p:cNvPr>
           <p:cNvSpPr>
             <a:spLocks noGrp="1"/>
           </p:cNvSpPr>
@@ -7701,16 +7720,9 @@
             <p:ph type="title"/>
           </p:nvPr>
         </p:nvSpPr>
-        <p:spPr>
-          <a:xfrm>
-            <a:off x="1295402" y="982132"/>
-            <a:ext cx="9601196" cy="1303867"/>
-          </a:xfrm>
-        </p:spPr>
-        <p:txBody>
-          <a:bodyPr>
-            <a:normAutofit/>
-          </a:bodyPr>
+        <p:spPr/>
+        <p:txBody>
+          <a:bodyPr/>
           <a:lstStyle/>
           <a:p>
             <a:r>
@@ -7719,15 +7731,145 @@
                 <a:ea typeface="Tahoma" panose="020B0604030504040204" pitchFamily="34" charset="0"/>
                 <a:cs typeface="Tahoma" panose="020B0604030504040204" pitchFamily="34" charset="0"/>
               </a:rPr>
-              <a:t>REAL TIME EXAMPLE</a:t>
-            </a:r>
+              <a:t>SYNTAX FOR INHERITANCE</a:t>
+            </a:r>
+            <a:endParaRPr lang="en-US" dirty="0">
+              <a:latin typeface="Tahoma" panose="020B0604030504040204" pitchFamily="34" charset="0"/>
+              <a:ea typeface="Tahoma" panose="020B0604030504040204" pitchFamily="34" charset="0"/>
+              <a:cs typeface="Tahoma" panose="020B0604030504040204" pitchFamily="34" charset="0"/>
+            </a:endParaRPr>
+          </a:p>
+          <a:p>
+            <a:endParaRPr lang="en-US" dirty="0"/>
+          </a:p>
+        </p:txBody>
+      </p:sp>
+      <p:sp>
+        <p:nvSpPr>
+          <p:cNvPr id="3" name="Content Placeholder 2">
+            <a:extLst>
+              <a:ext uri="{FF2B5EF4-FFF2-40B4-BE49-F238E27FC236}">
+                <a16:creationId xmlns:a16="http://schemas.microsoft.com/office/drawing/2014/main" xmlns="" id="{EB2B0173-6174-4796-8B05-5E98FC0DDFAE}"/>
+              </a:ext>
+            </a:extLst>
+          </p:cNvPr>
+          <p:cNvSpPr>
+            <a:spLocks noGrp="1"/>
+          </p:cNvSpPr>
+          <p:nvPr>
+            <p:ph idx="1"/>
+          </p:nvPr>
+        </p:nvSpPr>
+        <p:spPr>
+          <a:xfrm>
+            <a:off x="1447801" y="2709332"/>
+            <a:ext cx="9601196" cy="3318936"/>
+          </a:xfrm>
+        </p:spPr>
+        <p:txBody>
+          <a:bodyPr/>
+          <a:lstStyle/>
+          <a:p>
+            <a:pPr marL="0" indent="0">
+              <a:buNone/>
+            </a:pPr>
+            <a:r>
+              <a:rPr lang="en-US" b="1" dirty="0">
+                <a:latin typeface="Times New Roman" panose="02020603050405020304" pitchFamily="18" charset="0"/>
+                <a:ea typeface="+mn-lt"/>
+                <a:cs typeface="Times New Roman" panose="02020603050405020304" pitchFamily="18" charset="0"/>
+              </a:rPr>
+              <a:t>class</a:t>
+            </a:r>
+            <a:r>
+              <a:rPr lang="en-US" dirty="0">
+                <a:latin typeface="Times New Roman" panose="02020603050405020304" pitchFamily="18" charset="0"/>
+                <a:ea typeface="+mn-lt"/>
+                <a:cs typeface="Times New Roman" panose="02020603050405020304" pitchFamily="18" charset="0"/>
+              </a:rPr>
+              <a:t> Subclass-name </a:t>
+            </a:r>
+            <a:r>
+              <a:rPr lang="en-US" b="1" dirty="0">
+                <a:latin typeface="Times New Roman" panose="02020603050405020304" pitchFamily="18" charset="0"/>
+                <a:ea typeface="+mn-lt"/>
+                <a:cs typeface="Times New Roman" panose="02020603050405020304" pitchFamily="18" charset="0"/>
+              </a:rPr>
+              <a:t>extends</a:t>
+            </a:r>
+            <a:r>
+              <a:rPr lang="en-US" dirty="0">
+                <a:latin typeface="Times New Roman" panose="02020603050405020304" pitchFamily="18" charset="0"/>
+                <a:ea typeface="+mn-lt"/>
+                <a:cs typeface="Times New Roman" panose="02020603050405020304" pitchFamily="18" charset="0"/>
+              </a:rPr>
+              <a:t> Superclass-name  </a:t>
+            </a:r>
+            <a:endParaRPr lang="en-US" dirty="0">
+              <a:latin typeface="Times New Roman" panose="02020603050405020304" pitchFamily="18" charset="0"/>
+              <a:cs typeface="Times New Roman" panose="02020603050405020304" pitchFamily="18" charset="0"/>
+            </a:endParaRPr>
+          </a:p>
+          <a:p>
+            <a:pPr marL="0" indent="0">
+              <a:buNone/>
+            </a:pPr>
+            <a:r>
+              <a:rPr lang="en-US" dirty="0">
+                <a:latin typeface="Times New Roman" panose="02020603050405020304" pitchFamily="18" charset="0"/>
+                <a:ea typeface="+mn-lt"/>
+                <a:cs typeface="Times New Roman" panose="02020603050405020304" pitchFamily="18" charset="0"/>
+              </a:rPr>
+              <a:t>{  </a:t>
+            </a:r>
+            <a:endParaRPr lang="en-US" dirty="0">
+              <a:latin typeface="Times New Roman" panose="02020603050405020304" pitchFamily="18" charset="0"/>
+              <a:cs typeface="Times New Roman" panose="02020603050405020304" pitchFamily="18" charset="0"/>
+            </a:endParaRPr>
+          </a:p>
+          <a:p>
+            <a:pPr marL="0" indent="0">
+              <a:buNone/>
+            </a:pPr>
+            <a:r>
+              <a:rPr lang="en-US" dirty="0">
+                <a:latin typeface="Times New Roman" panose="02020603050405020304" pitchFamily="18" charset="0"/>
+                <a:ea typeface="+mn-lt"/>
+                <a:cs typeface="Times New Roman" panose="02020603050405020304" pitchFamily="18" charset="0"/>
+              </a:rPr>
+              <a:t>   //methods and fields  </a:t>
+            </a:r>
+            <a:endParaRPr lang="en-US" dirty="0">
+              <a:latin typeface="Times New Roman" panose="02020603050405020304" pitchFamily="18" charset="0"/>
+              <a:cs typeface="Times New Roman" panose="02020603050405020304" pitchFamily="18" charset="0"/>
+            </a:endParaRPr>
+          </a:p>
+          <a:p>
+            <a:pPr marL="0" indent="0">
+              <a:buNone/>
+            </a:pPr>
+            <a:r>
+              <a:rPr lang="en-US" dirty="0">
+                <a:latin typeface="Times New Roman" panose="02020603050405020304" pitchFamily="18" charset="0"/>
+                <a:ea typeface="+mn-lt"/>
+                <a:cs typeface="Times New Roman" panose="02020603050405020304" pitchFamily="18" charset="0"/>
+              </a:rPr>
+              <a:t>}  </a:t>
+            </a:r>
+            <a:endParaRPr lang="en-US" dirty="0">
+              <a:latin typeface="Times New Roman" panose="02020603050405020304" pitchFamily="18" charset="0"/>
+              <a:cs typeface="Times New Roman" panose="02020603050405020304" pitchFamily="18" charset="0"/>
+            </a:endParaRPr>
+          </a:p>
+          <a:p>
+            <a:endParaRPr lang="en-US" dirty="0"/>
           </a:p>
         </p:txBody>
       </p:sp>
     </p:spTree>
     <p:extLst>
       <p:ext uri="{BB962C8B-B14F-4D97-AF65-F5344CB8AC3E}">
-        <p14:creationId xmlns:p14="http://schemas.microsoft.com/office/powerpoint/2010/main" val="4045884255"/>
+        <p14:creationId xmlns:p14="http://schemas.microsoft.com/office/powerpoint/2010/main" val="3309205773"/>
       </p:ext>
     </p:extLst>
   </p:cSld>
@@ -7766,7 +7908,7 @@
           <p:cNvPr id="2" name="Title 1">
             <a:extLst>
               <a:ext uri="{FF2B5EF4-FFF2-40B4-BE49-F238E27FC236}">
-                <a16:creationId xmlns:a16="http://schemas.microsoft.com/office/drawing/2014/main" xmlns="" id="{ECBEFCBF-F445-4828-AE78-58A81C3E1EBE}"/>
+                <a16:creationId xmlns:a16="http://schemas.microsoft.com/office/drawing/2014/main" xmlns="" id="{3D366651-1371-44B8-8C3B-F0E39F693379}"/>
               </a:ext>
             </a:extLst>
           </p:cNvPr>
@@ -7790,47 +7932,128 @@
                 <a:ea typeface="Tahoma" panose="020B0604030504040204" pitchFamily="34" charset="0"/>
                 <a:cs typeface="Tahoma" panose="020B0604030504040204" pitchFamily="34" charset="0"/>
               </a:rPr>
-              <a:t>SINGLE INHERITANCE</a:t>
-            </a:r>
-          </a:p>
-        </p:txBody>
-      </p:sp>
-      <p:pic>
-        <p:nvPicPr>
-          <p:cNvPr id="4" name="Picture 4" descr="A close up of a sign&#10;&#10;Description generated with high confidence">
+              <a:t>TYPES OF INHERITANCE</a:t>
+            </a:r>
+          </a:p>
+        </p:txBody>
+      </p:sp>
+      <p:sp>
+        <p:nvSpPr>
+          <p:cNvPr id="3" name="Content Placeholder 2">
             <a:extLst>
               <a:ext uri="{FF2B5EF4-FFF2-40B4-BE49-F238E27FC236}">
-                <a16:creationId xmlns:a16="http://schemas.microsoft.com/office/drawing/2014/main" xmlns="" id="{C9771827-8A54-45EB-8D38-836DB6D1CAED}"/>
+                <a16:creationId xmlns:a16="http://schemas.microsoft.com/office/drawing/2014/main" xmlns="" id="{A86EAFD1-1111-46BE-825C-AA7BF12E9C85}"/>
               </a:ext>
             </a:extLst>
           </p:cNvPr>
-          <p:cNvPicPr>
-            <a:picLocks noGrp="1" noChangeAspect="1"/>
-          </p:cNvPicPr>
+          <p:cNvSpPr>
+            <a:spLocks noGrp="1"/>
+          </p:cNvSpPr>
           <p:nvPr>
             <p:ph idx="1"/>
           </p:nvPr>
-        </p:nvPicPr>
-        <p:blipFill>
-          <a:blip r:embed="rId2"/>
-          <a:stretch>
-            <a:fillRect/>
-          </a:stretch>
-        </p:blipFill>
-        <p:spPr>
-          <a:xfrm>
-            <a:off x="4781549" y="3101975"/>
-            <a:ext cx="2628900" cy="2228850"/>
-          </a:xfrm>
-          <a:prstGeom prst="rect">
-            <a:avLst/>
-          </a:prstGeom>
-        </p:spPr>
-      </p:pic>
+        </p:nvSpPr>
+        <p:spPr/>
+        <p:txBody>
+          <a:bodyPr/>
+          <a:lstStyle/>
+          <a:p>
+            <a:pPr marL="0" indent="0">
+              <a:buNone/>
+            </a:pPr>
+            <a:r>
+              <a:rPr lang="en-US" dirty="0">
+                <a:latin typeface="Times New Roman" panose="02020603050405020304" pitchFamily="18" charset="0"/>
+                <a:ea typeface="+mn-lt"/>
+                <a:cs typeface="Times New Roman" panose="02020603050405020304" pitchFamily="18" charset="0"/>
+              </a:rPr>
+              <a:t>Single Inheritance</a:t>
+            </a:r>
+            <a:endParaRPr lang="en-US" dirty="0">
+              <a:latin typeface="Times New Roman" panose="02020603050405020304" pitchFamily="18" charset="0"/>
+              <a:cs typeface="Times New Roman" panose="02020603050405020304" pitchFamily="18" charset="0"/>
+            </a:endParaRPr>
+          </a:p>
+          <a:p>
+            <a:pPr marL="0" indent="0">
+              <a:buNone/>
+            </a:pPr>
+            <a:r>
+              <a:rPr lang="en-US" dirty="0">
+                <a:latin typeface="Times New Roman" panose="02020603050405020304" pitchFamily="18" charset="0"/>
+                <a:ea typeface="+mn-lt"/>
+                <a:cs typeface="Times New Roman" panose="02020603050405020304" pitchFamily="18" charset="0"/>
+              </a:rPr>
+              <a:t>Multiple Inheritance</a:t>
+            </a:r>
+          </a:p>
+          <a:p>
+            <a:pPr marL="0" indent="0">
+              <a:buNone/>
+            </a:pPr>
+            <a:r>
+              <a:rPr lang="en-US" dirty="0">
+                <a:latin typeface="Times New Roman" panose="02020603050405020304" pitchFamily="18" charset="0"/>
+                <a:ea typeface="+mn-lt"/>
+                <a:cs typeface="Times New Roman" panose="02020603050405020304" pitchFamily="18" charset="0"/>
+              </a:rPr>
+              <a:t>Multilevel Inheritance</a:t>
+            </a:r>
+            <a:endParaRPr lang="en-US" dirty="0">
+              <a:latin typeface="Times New Roman" panose="02020603050405020304" pitchFamily="18" charset="0"/>
+              <a:cs typeface="Times New Roman" panose="02020603050405020304" pitchFamily="18" charset="0"/>
+            </a:endParaRPr>
+          </a:p>
+          <a:p>
+            <a:pPr marL="0" indent="0">
+              <a:buNone/>
+            </a:pPr>
+            <a:r>
+              <a:rPr lang="en-US" dirty="0">
+                <a:latin typeface="Times New Roman" panose="02020603050405020304" pitchFamily="18" charset="0"/>
+                <a:ea typeface="+mn-lt"/>
+                <a:cs typeface="Times New Roman" panose="02020603050405020304" pitchFamily="18" charset="0"/>
+              </a:rPr>
+              <a:t>Hierarchical Inheritance</a:t>
+            </a:r>
+            <a:endParaRPr lang="en-US" dirty="0">
+              <a:latin typeface="Times New Roman" panose="02020603050405020304" pitchFamily="18" charset="0"/>
+              <a:cs typeface="Times New Roman" panose="02020603050405020304" pitchFamily="18" charset="0"/>
+            </a:endParaRPr>
+          </a:p>
+          <a:p>
+            <a:pPr marL="0" indent="0">
+              <a:buNone/>
+            </a:pPr>
+            <a:r>
+              <a:rPr lang="en-US" dirty="0">
+                <a:latin typeface="Times New Roman" panose="02020603050405020304" pitchFamily="18" charset="0"/>
+                <a:ea typeface="+mn-lt"/>
+                <a:cs typeface="Times New Roman" panose="02020603050405020304" pitchFamily="18" charset="0"/>
+              </a:rPr>
+              <a:t>Hybrid Inheritance</a:t>
+            </a:r>
+            <a:r>
+              <a:rPr lang="en-US" dirty="0">
+                <a:latin typeface="Comic Sans MS"/>
+                <a:ea typeface="+mn-lt"/>
+                <a:cs typeface="+mn-lt"/>
+              </a:rPr>
+              <a:t> </a:t>
+            </a:r>
+            <a:endParaRPr lang="en-US" b="1" dirty="0">
+              <a:latin typeface="Comic Sans MS"/>
+            </a:endParaRPr>
+          </a:p>
+          <a:p>
+            <a:endParaRPr lang="en-US" dirty="0"/>
+          </a:p>
+        </p:txBody>
+      </p:sp>
     </p:spTree>
     <p:extLst>
       <p:ext uri="{BB962C8B-B14F-4D97-AF65-F5344CB8AC3E}">
-        <p14:creationId xmlns:p14="http://schemas.microsoft.com/office/powerpoint/2010/main" val="145538394"/>
+        <p14:creationId xmlns:p14="http://schemas.microsoft.com/office/powerpoint/2010/main" val="4251229936"/>
       </p:ext>
     </p:extLst>
   </p:cSld>
